--- a/EC_with_Jenetics_library.pptx
+++ b/EC_with_Jenetics_library.pptx
@@ -8,7 +8,15 @@
     <p:sldId id="256" r:id="rId2"/>
     <p:sldId id="257" r:id="rId3"/>
     <p:sldId id="258" r:id="rId4"/>
-    <p:sldId id="259" r:id="rId5"/>
+    <p:sldId id="261" r:id="rId5"/>
+    <p:sldId id="265" r:id="rId6"/>
+    <p:sldId id="262" r:id="rId7"/>
+    <p:sldId id="263" r:id="rId8"/>
+    <p:sldId id="266" r:id="rId9"/>
+    <p:sldId id="267" r:id="rId10"/>
+    <p:sldId id="264" r:id="rId11"/>
+    <p:sldId id="259" r:id="rId12"/>
+    <p:sldId id="260" r:id="rId13"/>
   </p:sldIdLst>
   <p:sldSz cx="12192000" cy="6858000"/>
   <p:notesSz cx="6858000" cy="9144000"/>
@@ -3705,15 +3713,7 @@
             <a:pPr algn="l"/>
             <a:r>
               <a:rPr lang="en-US" sz="5400" dirty="0"/>
-              <a:t>Evolutionary Algorithm with </a:t>
-            </a:r>
-            <a:r>
-              <a:rPr lang="en-US" sz="5400" dirty="0" err="1"/>
-              <a:t>Jenetics</a:t>
-            </a:r>
-            <a:r>
-              <a:rPr lang="en-US" sz="5400" dirty="0"/>
-              <a:t> library</a:t>
+              <a:t>Evolutionary Algorithm with Jenetics library</a:t>
             </a:r>
           </a:p>
         </p:txBody>
@@ -3742,11 +3742,52 @@
         </p:spPr>
         <p:txBody>
           <a:bodyPr anchor="t">
-            <a:normAutofit/>
+            <a:normAutofit fontScale="92500" lnSpcReduction="20000"/>
           </a:bodyPr>
           <a:lstStyle/>
           <a:p>
             <a:pPr algn="l"/>
+            <a:r>
+              <a:rPr lang="en-US" b="0" i="0" u="none" strike="noStrike" dirty="0">
+                <a:solidFill>
+                  <a:srgbClr val="046EE6"/>
+                </a:solidFill>
+                <a:effectLst/>
+                <a:latin typeface="inherit"/>
+                <a:hlinkClick r:id="rId3"/>
+              </a:rPr>
+              <a:t>MScAI_B14_IT 5408 - Evolutionary Computing</a:t>
+            </a:r>
+            <a:r>
+              <a:rPr lang="en-US" dirty="0">
+                <a:solidFill>
+                  <a:srgbClr val="046EE6"/>
+                </a:solidFill>
+                <a:latin typeface="inherit"/>
+              </a:rPr>
+              <a:t> </a:t>
+            </a:r>
+          </a:p>
+          <a:p>
+            <a:pPr algn="l"/>
+            <a:r>
+              <a:rPr lang="en-US" dirty="0">
+                <a:solidFill>
+                  <a:srgbClr val="046EE6"/>
+                </a:solidFill>
+                <a:latin typeface="inherit"/>
+              </a:rPr>
+              <a:t>Assignment </a:t>
+            </a:r>
+            <a:br>
+              <a:rPr lang="en-US" sz="1600" b="0" i="0" dirty="0">
+                <a:solidFill>
+                  <a:srgbClr val="373A3C"/>
+                </a:solidFill>
+                <a:effectLst/>
+                <a:latin typeface="-apple-system"/>
+              </a:rPr>
+            </a:br>
             <a:endParaRPr lang="en-US" sz="2000" dirty="0"/>
           </a:p>
         </p:txBody>
@@ -3760,6 +3801,380 @@
   </p:cSld>
   <p:clrMapOvr>
     <a:overrideClrMapping bg1="dk1" tx1="lt1" bg2="dk2" tx2="lt2" accent1="accent1" accent2="accent2" accent3="accent3" accent4="accent4" accent5="accent5" accent6="accent6" hlink="hlink" folHlink="folHlink"/>
+  </p:clrMapOvr>
+</p:sld>
+</file>
+
+<file path=ppt/slides/slide10.xml><?xml version="1.0" encoding="utf-8"?>
+<p:sld xmlns:a="http://schemas.openxmlformats.org/drawingml/2006/main" xmlns:r="http://schemas.openxmlformats.org/officeDocument/2006/relationships" xmlns:p="http://schemas.openxmlformats.org/presentationml/2006/main">
+  <p:cSld>
+    <p:bg>
+      <p:bgPr>
+        <a:solidFill>
+          <a:schemeClr val="bg1"/>
+        </a:solidFill>
+        <a:effectLst/>
+      </p:bgPr>
+    </p:bg>
+    <p:spTree>
+      <p:nvGrpSpPr>
+        <p:cNvPr id="1" name=""/>
+        <p:cNvGrpSpPr/>
+        <p:nvPr/>
+      </p:nvGrpSpPr>
+      <p:grpSpPr>
+        <a:xfrm>
+          <a:off x="0" y="0"/>
+          <a:ext cx="0" cy="0"/>
+          <a:chOff x="0" y="0"/>
+          <a:chExt cx="0" cy="0"/>
+        </a:xfrm>
+      </p:grpSpPr>
+      <p:pic>
+        <p:nvPicPr>
+          <p:cNvPr id="9" name="Content Placeholder 8">
+            <a:extLst>
+              <a:ext uri="{FF2B5EF4-FFF2-40B4-BE49-F238E27FC236}">
+                <a16:creationId xmlns:a16="http://schemas.microsoft.com/office/drawing/2014/main" id="{080C0BCF-F689-4B8D-A881-A5CCD661225D}"/>
+              </a:ext>
+            </a:extLst>
+          </p:cNvPr>
+          <p:cNvPicPr>
+            <a:picLocks noGrp="1" noChangeAspect="1"/>
+          </p:cNvPicPr>
+          <p:nvPr>
+            <p:ph idx="1"/>
+          </p:nvPr>
+        </p:nvPicPr>
+        <p:blipFill>
+          <a:blip r:embed="rId2"/>
+          <a:stretch>
+            <a:fillRect/>
+          </a:stretch>
+        </p:blipFill>
+        <p:spPr>
+          <a:xfrm>
+            <a:off x="782997" y="1599482"/>
+            <a:ext cx="7023816" cy="4866607"/>
+          </a:xfrm>
+        </p:spPr>
+      </p:pic>
+      <p:sp>
+        <p:nvSpPr>
+          <p:cNvPr id="13" name="Title 1">
+            <a:extLst>
+              <a:ext uri="{FF2B5EF4-FFF2-40B4-BE49-F238E27FC236}">
+                <a16:creationId xmlns:a16="http://schemas.microsoft.com/office/drawing/2014/main" id="{E4FECA4C-8643-494A-883E-3DCC7A0A6F65}"/>
+              </a:ext>
+            </a:extLst>
+          </p:cNvPr>
+          <p:cNvSpPr>
+            <a:spLocks noGrp="1"/>
+          </p:cNvSpPr>
+          <p:nvPr>
+            <p:ph type="title"/>
+          </p:nvPr>
+        </p:nvSpPr>
+        <p:spPr>
+          <a:xfrm>
+            <a:off x="690716" y="374958"/>
+            <a:ext cx="10419736" cy="1050719"/>
+          </a:xfrm>
+        </p:spPr>
+        <p:txBody>
+          <a:bodyPr>
+            <a:normAutofit/>
+          </a:bodyPr>
+          <a:lstStyle/>
+          <a:p>
+            <a:r>
+              <a:rPr lang="en-US" dirty="0"/>
+              <a:t>Write best phenotype at each evolution</a:t>
+            </a:r>
+          </a:p>
+        </p:txBody>
+      </p:sp>
+    </p:spTree>
+    <p:extLst>
+      <p:ext uri="{BB962C8B-B14F-4D97-AF65-F5344CB8AC3E}">
+        <p14:creationId xmlns:p14="http://schemas.microsoft.com/office/powerpoint/2010/main" val="717452368"/>
+      </p:ext>
+    </p:extLst>
+  </p:cSld>
+  <p:clrMapOvr>
+    <a:masterClrMapping/>
+  </p:clrMapOvr>
+</p:sld>
+</file>
+
+<file path=ppt/slides/slide11.xml><?xml version="1.0" encoding="utf-8"?>
+<p:sld xmlns:a="http://schemas.openxmlformats.org/drawingml/2006/main" xmlns:r="http://schemas.openxmlformats.org/officeDocument/2006/relationships" xmlns:p="http://schemas.openxmlformats.org/presentationml/2006/main">
+  <p:cSld>
+    <p:bg>
+      <p:bgPr>
+        <a:solidFill>
+          <a:schemeClr val="bg1"/>
+        </a:solidFill>
+        <a:effectLst/>
+      </p:bgPr>
+    </p:bg>
+    <p:spTree>
+      <p:nvGrpSpPr>
+        <p:cNvPr id="1" name=""/>
+        <p:cNvGrpSpPr/>
+        <p:nvPr/>
+      </p:nvGrpSpPr>
+      <p:grpSpPr>
+        <a:xfrm>
+          <a:off x="0" y="0"/>
+          <a:ext cx="0" cy="0"/>
+          <a:chOff x="0" y="0"/>
+          <a:chExt cx="0" cy="0"/>
+        </a:xfrm>
+      </p:grpSpPr>
+      <p:sp>
+        <p:nvSpPr>
+          <p:cNvPr id="2" name="Title 1">
+            <a:extLst>
+              <a:ext uri="{FF2B5EF4-FFF2-40B4-BE49-F238E27FC236}">
+                <a16:creationId xmlns:a16="http://schemas.microsoft.com/office/drawing/2014/main" id="{52AF67C1-1B7C-45AD-9DCB-FB08D313E08A}"/>
+              </a:ext>
+            </a:extLst>
+          </p:cNvPr>
+          <p:cNvSpPr>
+            <a:spLocks noGrp="1"/>
+          </p:cNvSpPr>
+          <p:nvPr>
+            <p:ph type="title"/>
+          </p:nvPr>
+        </p:nvSpPr>
+        <p:spPr>
+          <a:xfrm>
+            <a:off x="449793" y="442454"/>
+            <a:ext cx="11457071" cy="816076"/>
+          </a:xfrm>
+          <a:noFill/>
+        </p:spPr>
+        <p:txBody>
+          <a:bodyPr vert="horz" lIns="91440" tIns="45720" rIns="91440" bIns="45720" rtlCol="0" anchor="b">
+            <a:noAutofit/>
+          </a:bodyPr>
+          <a:lstStyle/>
+          <a:p>
+            <a:r>
+              <a:rPr lang="en-US" b="1" i="1" dirty="0"/>
+              <a:t>Potting best phenotype over generations with Python</a:t>
+            </a:r>
+          </a:p>
+        </p:txBody>
+      </p:sp>
+      <p:pic>
+        <p:nvPicPr>
+          <p:cNvPr id="5" name="Content Placeholder 4">
+            <a:extLst>
+              <a:ext uri="{FF2B5EF4-FFF2-40B4-BE49-F238E27FC236}">
+                <a16:creationId xmlns:a16="http://schemas.microsoft.com/office/drawing/2014/main" id="{10DB12E7-6A39-4FD4-AAD2-535E9161284B}"/>
+              </a:ext>
+            </a:extLst>
+          </p:cNvPr>
+          <p:cNvPicPr>
+            <a:picLocks noGrp="1" noChangeAspect="1"/>
+          </p:cNvPicPr>
+          <p:nvPr>
+            <p:ph idx="1"/>
+          </p:nvPr>
+        </p:nvPicPr>
+        <p:blipFill rotWithShape="1">
+          <a:blip r:embed="rId2"/>
+          <a:srcRect r="2" b="798"/>
+          <a:stretch/>
+        </p:blipFill>
+        <p:spPr>
+          <a:xfrm>
+            <a:off x="4739167" y="651392"/>
+            <a:ext cx="6103323" cy="5555216"/>
+          </a:xfrm>
+          <a:prstGeom prst="rect">
+            <a:avLst/>
+          </a:prstGeom>
+        </p:spPr>
+      </p:pic>
+    </p:spTree>
+    <p:extLst>
+      <p:ext uri="{BB962C8B-B14F-4D97-AF65-F5344CB8AC3E}">
+        <p14:creationId xmlns:p14="http://schemas.microsoft.com/office/powerpoint/2010/main" val="826926072"/>
+      </p:ext>
+    </p:extLst>
+  </p:cSld>
+  <p:clrMapOvr>
+    <a:masterClrMapping/>
+  </p:clrMapOvr>
+</p:sld>
+</file>
+
+<file path=ppt/slides/slide12.xml><?xml version="1.0" encoding="utf-8"?>
+<p:sld xmlns:a="http://schemas.openxmlformats.org/drawingml/2006/main" xmlns:r="http://schemas.openxmlformats.org/officeDocument/2006/relationships" xmlns:p="http://schemas.openxmlformats.org/presentationml/2006/main">
+  <p:cSld>
+    <p:bg>
+      <p:bgPr>
+        <a:solidFill>
+          <a:schemeClr val="bg1"/>
+        </a:solidFill>
+        <a:effectLst/>
+      </p:bgPr>
+    </p:bg>
+    <p:spTree>
+      <p:nvGrpSpPr>
+        <p:cNvPr id="1" name=""/>
+        <p:cNvGrpSpPr/>
+        <p:nvPr/>
+      </p:nvGrpSpPr>
+      <p:grpSpPr>
+        <a:xfrm>
+          <a:off x="0" y="0"/>
+          <a:ext cx="0" cy="0"/>
+          <a:chOff x="0" y="0"/>
+          <a:chExt cx="0" cy="0"/>
+        </a:xfrm>
+      </p:grpSpPr>
+      <p:sp useBgFill="1">
+        <p:nvSpPr>
+          <p:cNvPr id="10" name="Rectangle 9">
+            <a:extLst>
+              <a:ext uri="{FF2B5EF4-FFF2-40B4-BE49-F238E27FC236}">
+                <a16:creationId xmlns:a16="http://schemas.microsoft.com/office/drawing/2014/main" id="{DC6BEC6B-5C77-412D-B45A-5B0F46FEDAC7}"/>
+              </a:ext>
+              <a:ext uri="{C183D7F6-B498-43B3-948B-1728B52AA6E4}">
+                <adec:decorative xmlns:adec="http://schemas.microsoft.com/office/drawing/2017/decorative" val="1"/>
+              </a:ext>
+            </a:extLst>
+          </p:cNvPr>
+          <p:cNvSpPr>
+            <a:spLocks noGrp="1" noRot="1" noChangeAspect="1" noMove="1" noResize="1" noEditPoints="1" noAdjustHandles="1" noChangeArrowheads="1" noChangeShapeType="1" noTextEdit="1"/>
+          </p:cNvSpPr>
+          <p:nvPr>
+            <p:extLst>
+              <p:ext uri="{386F3935-93C4-4BCD-93E2-E3B085C9AB24}">
+                <p16:designElem xmlns:p16="http://schemas.microsoft.com/office/powerpoint/2015/main" val="1"/>
+              </p:ext>
+            </p:extLst>
+          </p:nvPr>
+        </p:nvSpPr>
+        <p:spPr>
+          <a:xfrm>
+            <a:off x="-1" y="0"/>
+            <a:ext cx="12188952" cy="6858000"/>
+          </a:xfrm>
+          <a:prstGeom prst="rect">
+            <a:avLst/>
+          </a:prstGeom>
+          <a:ln>
+            <a:noFill/>
+          </a:ln>
+        </p:spPr>
+        <p:style>
+          <a:lnRef idx="2">
+            <a:schemeClr val="accent1">
+              <a:shade val="50000"/>
+            </a:schemeClr>
+          </a:lnRef>
+          <a:fillRef idx="1">
+            <a:schemeClr val="accent1"/>
+          </a:fillRef>
+          <a:effectRef idx="0">
+            <a:schemeClr val="accent1"/>
+          </a:effectRef>
+          <a:fontRef idx="minor">
+            <a:schemeClr val="lt1"/>
+          </a:fontRef>
+        </p:style>
+        <p:txBody>
+          <a:bodyPr rtlCol="0" anchor="ctr"/>
+          <a:lstStyle/>
+          <a:p>
+            <a:pPr algn="ctr"/>
+            <a:endParaRPr lang="en-US"/>
+          </a:p>
+        </p:txBody>
+      </p:sp>
+      <p:sp>
+        <p:nvSpPr>
+          <p:cNvPr id="2" name="Title 1">
+            <a:extLst>
+              <a:ext uri="{FF2B5EF4-FFF2-40B4-BE49-F238E27FC236}">
+                <a16:creationId xmlns:a16="http://schemas.microsoft.com/office/drawing/2014/main" id="{90BAF2BB-1641-47D0-9870-CE96C615B248}"/>
+              </a:ext>
+            </a:extLst>
+          </p:cNvPr>
+          <p:cNvSpPr>
+            <a:spLocks noGrp="1"/>
+          </p:cNvSpPr>
+          <p:nvPr>
+            <p:ph type="title"/>
+          </p:nvPr>
+        </p:nvSpPr>
+        <p:spPr>
+          <a:xfrm>
+            <a:off x="838200" y="176214"/>
+            <a:ext cx="10515600" cy="1481188"/>
+          </a:xfrm>
+        </p:spPr>
+        <p:txBody>
+          <a:bodyPr>
+            <a:normAutofit/>
+          </a:bodyPr>
+          <a:lstStyle/>
+          <a:p>
+            <a:pPr algn="ctr"/>
+            <a:r>
+              <a:rPr lang="en-US" sz="5400" b="0" i="0" dirty="0">
+                <a:effectLst/>
+                <a:latin typeface="ui-monospace"/>
+              </a:rPr>
+              <a:t>Evolution Statistics</a:t>
+            </a:r>
+            <a:endParaRPr lang="en-US" sz="5400" dirty="0"/>
+          </a:p>
+        </p:txBody>
+      </p:sp>
+      <p:pic>
+        <p:nvPicPr>
+          <p:cNvPr id="5" name="Picture 4" descr="Table&#10;&#10;Description automatically generated">
+            <a:extLst>
+              <a:ext uri="{FF2B5EF4-FFF2-40B4-BE49-F238E27FC236}">
+                <a16:creationId xmlns:a16="http://schemas.microsoft.com/office/drawing/2014/main" id="{FDC982B4-C742-4291-A786-E61966AD0643}"/>
+              </a:ext>
+            </a:extLst>
+          </p:cNvPr>
+          <p:cNvPicPr>
+            <a:picLocks noChangeAspect="1"/>
+          </p:cNvPicPr>
+          <p:nvPr/>
+        </p:nvPicPr>
+        <p:blipFill rotWithShape="1">
+          <a:blip r:embed="rId2"/>
+          <a:srcRect r="-4" b="1428"/>
+          <a:stretch/>
+        </p:blipFill>
+        <p:spPr>
+          <a:xfrm>
+            <a:off x="1209063" y="1833616"/>
+            <a:ext cx="6162670" cy="4272677"/>
+          </a:xfrm>
+          <a:prstGeom prst="rect">
+            <a:avLst/>
+          </a:prstGeom>
+        </p:spPr>
+      </p:pic>
+    </p:spTree>
+    <p:extLst>
+      <p:ext uri="{BB962C8B-B14F-4D97-AF65-F5344CB8AC3E}">
+        <p14:creationId xmlns:p14="http://schemas.microsoft.com/office/powerpoint/2010/main" val="2718286361"/>
+      </p:ext>
+    </p:extLst>
+  </p:cSld>
+  <p:clrMapOvr>
+    <a:masterClrMapping/>
   </p:clrMapOvr>
 </p:sld>
 </file>
@@ -3870,7 +4285,7 @@
         </p:blipFill>
         <p:spPr>
           <a:xfrm>
-            <a:off x="1" y="10"/>
+            <a:off x="-42294" y="10"/>
             <a:ext cx="9669642" cy="6857990"/>
           </a:xfrm>
           <a:prstGeom prst="rect">
@@ -3982,8 +4397,8 @@
         </p:nvSpPr>
         <p:spPr>
           <a:xfrm>
-            <a:off x="7531610" y="365125"/>
-            <a:ext cx="3822189" cy="1899912"/>
+            <a:off x="4945224" y="365125"/>
+            <a:ext cx="6408575" cy="726557"/>
           </a:xfrm>
         </p:spPr>
         <p:txBody>
@@ -4017,8 +4432,8 @@
         </p:nvSpPr>
         <p:spPr>
           <a:xfrm>
-            <a:off x="7531610" y="2434201"/>
-            <a:ext cx="3822189" cy="3742762"/>
+            <a:off x="3442997" y="1091682"/>
+            <a:ext cx="7728918" cy="1054457"/>
           </a:xfrm>
         </p:spPr>
         <p:txBody>
@@ -4028,13 +4443,129 @@
           <a:lstStyle/>
           <a:p>
             <a:r>
-              <a:rPr lang="en-US" sz="2000" dirty="0" err="1"/>
-              <a:t>Optimizaion</a:t>
-            </a:r>
-            <a:r>
               <a:rPr lang="en-US" sz="2000" dirty="0"/>
-              <a:t> of a multivariable function</a:t>
-            </a:r>
+              <a:t>Optimization of a multivariable function</a:t>
+            </a:r>
+          </a:p>
+          <a:p>
+            <a:r>
+              <a:rPr lang="en-US" sz="1800" i="1" dirty="0">
+                <a:solidFill>
+                  <a:srgbClr val="000000"/>
+                </a:solidFill>
+                <a:latin typeface="Consolas" panose="020B0609020204030204" pitchFamily="49" charset="0"/>
+              </a:rPr>
+              <a:t>sin(5/(2*</a:t>
+            </a:r>
+            <a:r>
+              <a:rPr lang="en-US" sz="1800" b="1" i="1" dirty="0">
+                <a:solidFill>
+                  <a:srgbClr val="0000C0"/>
+                </a:solidFill>
+                <a:latin typeface="Consolas" panose="020B0609020204030204" pitchFamily="49" charset="0"/>
+              </a:rPr>
+              <a:t>PI</a:t>
+            </a:r>
+            <a:r>
+              <a:rPr lang="en-US" sz="1800" b="1" i="1" dirty="0">
+                <a:solidFill>
+                  <a:srgbClr val="000000"/>
+                </a:solidFill>
+                <a:latin typeface="Consolas" panose="020B0609020204030204" pitchFamily="49" charset="0"/>
+              </a:rPr>
+              <a:t>)*</a:t>
+            </a:r>
+            <a:r>
+              <a:rPr lang="en-US" sz="1800" b="1" i="1" dirty="0">
+                <a:solidFill>
+                  <a:srgbClr val="6A3E3E"/>
+                </a:solidFill>
+                <a:latin typeface="Consolas" panose="020B0609020204030204" pitchFamily="49" charset="0"/>
+              </a:rPr>
+              <a:t>x</a:t>
+            </a:r>
+            <a:r>
+              <a:rPr lang="en-US" sz="1800" b="1" i="1" dirty="0">
+                <a:solidFill>
+                  <a:srgbClr val="000000"/>
+                </a:solidFill>
+                <a:latin typeface="Consolas" panose="020B0609020204030204" pitchFamily="49" charset="0"/>
+              </a:rPr>
+              <a:t>[0])*sin(5/(2*</a:t>
+            </a:r>
+            <a:r>
+              <a:rPr lang="en-US" sz="1800" b="1" i="1" dirty="0">
+                <a:solidFill>
+                  <a:srgbClr val="0000C0"/>
+                </a:solidFill>
+                <a:latin typeface="Consolas" panose="020B0609020204030204" pitchFamily="49" charset="0"/>
+              </a:rPr>
+              <a:t>PI</a:t>
+            </a:r>
+            <a:r>
+              <a:rPr lang="en-US" sz="1800" b="1" i="1" dirty="0">
+                <a:solidFill>
+                  <a:srgbClr val="000000"/>
+                </a:solidFill>
+                <a:latin typeface="Consolas" panose="020B0609020204030204" pitchFamily="49" charset="0"/>
+              </a:rPr>
+              <a:t>)*</a:t>
+            </a:r>
+            <a:r>
+              <a:rPr lang="en-US" sz="1800" b="1" i="1" dirty="0">
+                <a:solidFill>
+                  <a:srgbClr val="6A3E3E"/>
+                </a:solidFill>
+                <a:latin typeface="Consolas" panose="020B0609020204030204" pitchFamily="49" charset="0"/>
+              </a:rPr>
+              <a:t>x</a:t>
+            </a:r>
+            <a:r>
+              <a:rPr lang="en-US" sz="1800" b="1" i="1" dirty="0">
+                <a:solidFill>
+                  <a:srgbClr val="000000"/>
+                </a:solidFill>
+                <a:latin typeface="Consolas" panose="020B0609020204030204" pitchFamily="49" charset="0"/>
+              </a:rPr>
+              <a:t>[1])*exp(-(</a:t>
+            </a:r>
+            <a:r>
+              <a:rPr lang="en-US" sz="1800" b="1" i="1" dirty="0">
+                <a:solidFill>
+                  <a:srgbClr val="6A3E3E"/>
+                </a:solidFill>
+                <a:latin typeface="Consolas" panose="020B0609020204030204" pitchFamily="49" charset="0"/>
+              </a:rPr>
+              <a:t>x</a:t>
+            </a:r>
+            <a:r>
+              <a:rPr lang="en-US" sz="1800" b="1" i="1" dirty="0">
+                <a:solidFill>
+                  <a:srgbClr val="000000"/>
+                </a:solidFill>
+                <a:latin typeface="Consolas" panose="020B0609020204030204" pitchFamily="49" charset="0"/>
+              </a:rPr>
+              <a:t>[0]+</a:t>
+            </a:r>
+            <a:r>
+              <a:rPr lang="en-US" sz="1800" b="1" i="1" dirty="0">
+                <a:solidFill>
+                  <a:srgbClr val="6A3E3E"/>
+                </a:solidFill>
+                <a:latin typeface="Consolas" panose="020B0609020204030204" pitchFamily="49" charset="0"/>
+              </a:rPr>
+              <a:t>x</a:t>
+            </a:r>
+            <a:r>
+              <a:rPr lang="en-US" sz="1800" b="1" i="1" dirty="0">
+                <a:solidFill>
+                  <a:srgbClr val="000000"/>
+                </a:solidFill>
+                <a:latin typeface="Consolas" panose="020B0609020204030204" pitchFamily="49" charset="0"/>
+              </a:rPr>
+              <a:t>[1])/20)</a:t>
+            </a:r>
+            <a:endParaRPr lang="en-US" sz="2000" dirty="0"/>
           </a:p>
           <a:p>
             <a:endParaRPr lang="en-US" sz="2000" dirty="0"/>
@@ -4334,14 +4865,6 @@
 <file path=ppt/slides/slide4.xml><?xml version="1.0" encoding="utf-8"?>
 <p:sld xmlns:a="http://schemas.openxmlformats.org/drawingml/2006/main" xmlns:r="http://schemas.openxmlformats.org/officeDocument/2006/relationships" xmlns:p="http://schemas.openxmlformats.org/presentationml/2006/main">
   <p:cSld>
-    <p:bg>
-      <p:bgPr>
-        <a:solidFill>
-          <a:schemeClr val="bg1"/>
-        </a:solidFill>
-        <a:effectLst/>
-      </p:bgPr>
-    </p:bg>
     <p:spTree>
       <p:nvGrpSpPr>
         <p:cNvPr id="1" name=""/>
@@ -4361,7 +4884,7 @@
           <p:cNvPr id="2" name="Title 1">
             <a:extLst>
               <a:ext uri="{FF2B5EF4-FFF2-40B4-BE49-F238E27FC236}">
-                <a16:creationId xmlns:a16="http://schemas.microsoft.com/office/drawing/2014/main" id="{52AF67C1-1B7C-45AD-9DCB-FB08D313E08A}"/>
+                <a16:creationId xmlns:a16="http://schemas.microsoft.com/office/drawing/2014/main" id="{1720ED15-E9D2-4102-A644-776EBE358149}"/>
               </a:ext>
             </a:extLst>
           </p:cNvPr>
@@ -4370,53 +4893,96 @@
           </p:cNvSpPr>
           <p:nvPr>
             <p:ph type="title"/>
+          </p:nvPr>
+        </p:nvSpPr>
+        <p:spPr/>
+        <p:txBody>
+          <a:bodyPr/>
+          <a:lstStyle/>
+          <a:p>
+            <a:r>
+              <a:rPr lang="en-US" dirty="0"/>
+              <a:t>Using Jenetics library for EC solution</a:t>
+            </a:r>
+          </a:p>
+        </p:txBody>
+      </p:sp>
+      <p:sp>
+        <p:nvSpPr>
+          <p:cNvPr id="3" name="Content Placeholder 2">
+            <a:extLst>
+              <a:ext uri="{FF2B5EF4-FFF2-40B4-BE49-F238E27FC236}">
+                <a16:creationId xmlns:a16="http://schemas.microsoft.com/office/drawing/2014/main" id="{09D88F85-41B6-40E3-AF72-C232ECBE78CD}"/>
+              </a:ext>
+            </a:extLst>
+          </p:cNvPr>
+          <p:cNvSpPr>
+            <a:spLocks noGrp="1"/>
+          </p:cNvSpPr>
+          <p:nvPr>
+            <p:ph idx="1"/>
           </p:nvPr>
         </p:nvSpPr>
         <p:spPr>
           <a:xfrm>
-            <a:off x="6103343" y="442452"/>
-            <a:ext cx="5892012" cy="1160205"/>
+            <a:off x="838199" y="1825625"/>
+            <a:ext cx="10695039" cy="4667250"/>
           </a:xfrm>
-          <a:noFill/>
         </p:spPr>
         <p:txBody>
-          <a:bodyPr vert="horz" lIns="91440" tIns="45720" rIns="91440" bIns="45720" rtlCol="0" anchor="b">
-            <a:noAutofit/>
-          </a:bodyPr>
-          <a:lstStyle/>
-          <a:p>
-            <a:r>
-              <a:rPr lang="en-US" sz="2800" b="1" i="1" dirty="0"/>
-              <a:t>Potting best phenotype over generations</a:t>
-            </a:r>
+          <a:bodyPr/>
+          <a:lstStyle/>
+          <a:p>
+            <a:r>
+              <a:rPr lang="en-US" dirty="0"/>
+              <a:t>GitHub link </a:t>
+            </a:r>
+            <a:r>
+              <a:rPr lang="en-US" dirty="0">
+                <a:hlinkClick r:id="rId2"/>
+              </a:rPr>
+              <a:t>https://github.com/sanjeemax/MSc_AI_EA_assignment/tree/master</a:t>
+            </a:r>
+            <a:endParaRPr lang="en-US" dirty="0"/>
+          </a:p>
+          <a:p>
+            <a:endParaRPr lang="en-US" dirty="0"/>
+          </a:p>
+          <a:p>
+            <a:endParaRPr lang="en-US" dirty="0"/>
+          </a:p>
+          <a:p>
+            <a:endParaRPr lang="en-US" dirty="0"/>
+          </a:p>
+          <a:p>
+            <a:endParaRPr lang="en-US" dirty="0"/>
           </a:p>
         </p:txBody>
       </p:sp>
       <p:pic>
         <p:nvPicPr>
-          <p:cNvPr id="5" name="Content Placeholder 4">
-            <a:extLst>
-              <a:ext uri="{FF2B5EF4-FFF2-40B4-BE49-F238E27FC236}">
-                <a16:creationId xmlns:a16="http://schemas.microsoft.com/office/drawing/2014/main" id="{10DB12E7-6A39-4FD4-AAD2-535E9161284B}"/>
+          <p:cNvPr id="9" name="Picture 8">
+            <a:extLst>
+              <a:ext uri="{FF2B5EF4-FFF2-40B4-BE49-F238E27FC236}">
+                <a16:creationId xmlns:a16="http://schemas.microsoft.com/office/drawing/2014/main" id="{25E4452C-DDCB-427E-96F2-F20134A6F4AB}"/>
               </a:ext>
             </a:extLst>
           </p:cNvPr>
           <p:cNvPicPr>
-            <a:picLocks noGrp="1" noChangeAspect="1"/>
+            <a:picLocks noChangeAspect="1"/>
           </p:cNvPicPr>
-          <p:nvPr>
-            <p:ph idx="1"/>
-          </p:nvPr>
+          <p:nvPr/>
         </p:nvPicPr>
-        <p:blipFill rotWithShape="1">
-          <a:blip r:embed="rId2"/>
-          <a:srcRect r="2" b="798"/>
-          <a:stretch/>
+        <p:blipFill>
+          <a:blip r:embed="rId3"/>
+          <a:stretch>
+            <a:fillRect/>
+          </a:stretch>
         </p:blipFill>
         <p:spPr>
           <a:xfrm>
-            <a:off x="20" y="10"/>
-            <a:ext cx="6103323" cy="5555216"/>
+            <a:off x="838199" y="2960431"/>
+            <a:ext cx="9400384" cy="1955697"/>
           </a:xfrm>
           <a:prstGeom prst="rect">
             <a:avLst/>
@@ -4426,7 +4992,546 @@
     </p:spTree>
     <p:extLst>
       <p:ext uri="{BB962C8B-B14F-4D97-AF65-F5344CB8AC3E}">
-        <p14:creationId xmlns:p14="http://schemas.microsoft.com/office/powerpoint/2010/main" val="826926072"/>
+        <p14:creationId xmlns:p14="http://schemas.microsoft.com/office/powerpoint/2010/main" val="312274346"/>
+      </p:ext>
+    </p:extLst>
+  </p:cSld>
+  <p:clrMapOvr>
+    <a:masterClrMapping/>
+  </p:clrMapOvr>
+</p:sld>
+</file>
+
+<file path=ppt/slides/slide5.xml><?xml version="1.0" encoding="utf-8"?>
+<p:sld xmlns:a="http://schemas.openxmlformats.org/drawingml/2006/main" xmlns:r="http://schemas.openxmlformats.org/officeDocument/2006/relationships" xmlns:p="http://schemas.openxmlformats.org/presentationml/2006/main">
+  <p:cSld>
+    <p:spTree>
+      <p:nvGrpSpPr>
+        <p:cNvPr id="1" name=""/>
+        <p:cNvGrpSpPr/>
+        <p:nvPr/>
+      </p:nvGrpSpPr>
+      <p:grpSpPr>
+        <a:xfrm>
+          <a:off x="0" y="0"/>
+          <a:ext cx="0" cy="0"/>
+          <a:chOff x="0" y="0"/>
+          <a:chExt cx="0" cy="0"/>
+        </a:xfrm>
+      </p:grpSpPr>
+      <p:sp>
+        <p:nvSpPr>
+          <p:cNvPr id="2" name="Title 1">
+            <a:extLst>
+              <a:ext uri="{FF2B5EF4-FFF2-40B4-BE49-F238E27FC236}">
+                <a16:creationId xmlns:a16="http://schemas.microsoft.com/office/drawing/2014/main" id="{7054B8B2-4E5B-4B46-B9BC-3B35BF0921C6}"/>
+              </a:ext>
+            </a:extLst>
+          </p:cNvPr>
+          <p:cNvSpPr>
+            <a:spLocks noGrp="1"/>
+          </p:cNvSpPr>
+          <p:nvPr>
+            <p:ph type="title"/>
+          </p:nvPr>
+        </p:nvSpPr>
+        <p:spPr/>
+        <p:txBody>
+          <a:bodyPr/>
+          <a:lstStyle/>
+          <a:p>
+            <a:r>
+              <a:rPr lang="en-US" dirty="0"/>
+              <a:t>Genotype and Chromosome</a:t>
+            </a:r>
+            <a:br>
+              <a:rPr lang="en-US" dirty="0"/>
+            </a:br>
+            <a:r>
+              <a:rPr lang="en-US" dirty="0"/>
+              <a:t>&amp; Problem</a:t>
+            </a:r>
+          </a:p>
+        </p:txBody>
+      </p:sp>
+      <p:pic>
+        <p:nvPicPr>
+          <p:cNvPr id="4" name="Content Placeholder 3">
+            <a:extLst>
+              <a:ext uri="{FF2B5EF4-FFF2-40B4-BE49-F238E27FC236}">
+                <a16:creationId xmlns:a16="http://schemas.microsoft.com/office/drawing/2014/main" id="{02EF8D60-7231-48A6-911F-9836268D7FB6}"/>
+              </a:ext>
+            </a:extLst>
+          </p:cNvPr>
+          <p:cNvPicPr>
+            <a:picLocks noGrp="1" noChangeAspect="1"/>
+          </p:cNvPicPr>
+          <p:nvPr>
+            <p:ph idx="1"/>
+          </p:nvPr>
+        </p:nvPicPr>
+        <p:blipFill>
+          <a:blip r:embed="rId2"/>
+          <a:stretch>
+            <a:fillRect/>
+          </a:stretch>
+        </p:blipFill>
+        <p:spPr>
+          <a:xfrm>
+            <a:off x="1042890" y="2128021"/>
+            <a:ext cx="9268315" cy="1863876"/>
+          </a:xfrm>
+          <a:prstGeom prst="rect">
+            <a:avLst/>
+          </a:prstGeom>
+        </p:spPr>
+      </p:pic>
+      <p:pic>
+        <p:nvPicPr>
+          <p:cNvPr id="5" name="Picture 4">
+            <a:extLst>
+              <a:ext uri="{FF2B5EF4-FFF2-40B4-BE49-F238E27FC236}">
+                <a16:creationId xmlns:a16="http://schemas.microsoft.com/office/drawing/2014/main" id="{541DC31B-3C85-4AC4-90E3-FDF300325AB9}"/>
+              </a:ext>
+            </a:extLst>
+          </p:cNvPr>
+          <p:cNvPicPr>
+            <a:picLocks noChangeAspect="1"/>
+          </p:cNvPicPr>
+          <p:nvPr/>
+        </p:nvPicPr>
+        <p:blipFill>
+          <a:blip r:embed="rId3"/>
+          <a:stretch>
+            <a:fillRect/>
+          </a:stretch>
+        </p:blipFill>
+        <p:spPr>
+          <a:xfrm>
+            <a:off x="1042891" y="4729979"/>
+            <a:ext cx="6518667" cy="1390649"/>
+          </a:xfrm>
+          <a:prstGeom prst="rect">
+            <a:avLst/>
+          </a:prstGeom>
+        </p:spPr>
+      </p:pic>
+    </p:spTree>
+    <p:extLst>
+      <p:ext uri="{BB962C8B-B14F-4D97-AF65-F5344CB8AC3E}">
+        <p14:creationId xmlns:p14="http://schemas.microsoft.com/office/powerpoint/2010/main" val="2278749588"/>
+      </p:ext>
+    </p:extLst>
+  </p:cSld>
+  <p:clrMapOvr>
+    <a:masterClrMapping/>
+  </p:clrMapOvr>
+</p:sld>
+</file>
+
+<file path=ppt/slides/slide6.xml><?xml version="1.0" encoding="utf-8"?>
+<p:sld xmlns:a="http://schemas.openxmlformats.org/drawingml/2006/main" xmlns:r="http://schemas.openxmlformats.org/officeDocument/2006/relationships" xmlns:p="http://schemas.openxmlformats.org/presentationml/2006/main">
+  <p:cSld>
+    <p:spTree>
+      <p:nvGrpSpPr>
+        <p:cNvPr id="1" name=""/>
+        <p:cNvGrpSpPr/>
+        <p:nvPr/>
+      </p:nvGrpSpPr>
+      <p:grpSpPr>
+        <a:xfrm>
+          <a:off x="0" y="0"/>
+          <a:ext cx="0" cy="0"/>
+          <a:chOff x="0" y="0"/>
+          <a:chExt cx="0" cy="0"/>
+        </a:xfrm>
+      </p:grpSpPr>
+      <p:sp>
+        <p:nvSpPr>
+          <p:cNvPr id="2" name="Title 1">
+            <a:extLst>
+              <a:ext uri="{FF2B5EF4-FFF2-40B4-BE49-F238E27FC236}">
+                <a16:creationId xmlns:a16="http://schemas.microsoft.com/office/drawing/2014/main" id="{9F4F8DFF-58D5-4BBF-8B3D-63D2FCB6674F}"/>
+              </a:ext>
+            </a:extLst>
+          </p:cNvPr>
+          <p:cNvSpPr>
+            <a:spLocks noGrp="1"/>
+          </p:cNvSpPr>
+          <p:nvPr>
+            <p:ph type="title"/>
+          </p:nvPr>
+        </p:nvSpPr>
+        <p:spPr/>
+        <p:txBody>
+          <a:bodyPr/>
+          <a:lstStyle/>
+          <a:p>
+            <a:r>
+              <a:rPr lang="en-US" dirty="0"/>
+              <a:t>Engine parameters</a:t>
+            </a:r>
+          </a:p>
+        </p:txBody>
+      </p:sp>
+      <p:sp>
+        <p:nvSpPr>
+          <p:cNvPr id="3" name="Content Placeholder 2">
+            <a:extLst>
+              <a:ext uri="{FF2B5EF4-FFF2-40B4-BE49-F238E27FC236}">
+                <a16:creationId xmlns:a16="http://schemas.microsoft.com/office/drawing/2014/main" id="{A3FD91EC-C6D3-4382-846D-313BC4883BC7}"/>
+              </a:ext>
+            </a:extLst>
+          </p:cNvPr>
+          <p:cNvSpPr>
+            <a:spLocks noGrp="1"/>
+          </p:cNvSpPr>
+          <p:nvPr>
+            <p:ph idx="1"/>
+          </p:nvPr>
+        </p:nvSpPr>
+        <p:spPr/>
+        <p:txBody>
+          <a:bodyPr/>
+          <a:lstStyle/>
+          <a:p>
+            <a:endParaRPr lang="en-US" dirty="0"/>
+          </a:p>
+        </p:txBody>
+      </p:sp>
+      <p:pic>
+        <p:nvPicPr>
+          <p:cNvPr id="5" name="Picture 4">
+            <a:extLst>
+              <a:ext uri="{FF2B5EF4-FFF2-40B4-BE49-F238E27FC236}">
+                <a16:creationId xmlns:a16="http://schemas.microsoft.com/office/drawing/2014/main" id="{9E1E2B9A-4AE7-4081-9E55-FBBA92B48184}"/>
+              </a:ext>
+            </a:extLst>
+          </p:cNvPr>
+          <p:cNvPicPr>
+            <a:picLocks noChangeAspect="1"/>
+          </p:cNvPicPr>
+          <p:nvPr/>
+        </p:nvPicPr>
+        <p:blipFill>
+          <a:blip r:embed="rId2"/>
+          <a:stretch>
+            <a:fillRect/>
+          </a:stretch>
+        </p:blipFill>
+        <p:spPr>
+          <a:xfrm>
+            <a:off x="913322" y="1896607"/>
+            <a:ext cx="8944732" cy="3383316"/>
+          </a:xfrm>
+          <a:prstGeom prst="rect">
+            <a:avLst/>
+          </a:prstGeom>
+        </p:spPr>
+      </p:pic>
+    </p:spTree>
+    <p:extLst>
+      <p:ext uri="{BB962C8B-B14F-4D97-AF65-F5344CB8AC3E}">
+        <p14:creationId xmlns:p14="http://schemas.microsoft.com/office/powerpoint/2010/main" val="92045419"/>
+      </p:ext>
+    </p:extLst>
+  </p:cSld>
+  <p:clrMapOvr>
+    <a:masterClrMapping/>
+  </p:clrMapOvr>
+</p:sld>
+</file>
+
+<file path=ppt/slides/slide7.xml><?xml version="1.0" encoding="utf-8"?>
+<p:sld xmlns:a="http://schemas.openxmlformats.org/drawingml/2006/main" xmlns:r="http://schemas.openxmlformats.org/officeDocument/2006/relationships" xmlns:p="http://schemas.openxmlformats.org/presentationml/2006/main">
+  <p:cSld>
+    <p:spTree>
+      <p:nvGrpSpPr>
+        <p:cNvPr id="1" name=""/>
+        <p:cNvGrpSpPr/>
+        <p:nvPr/>
+      </p:nvGrpSpPr>
+      <p:grpSpPr>
+        <a:xfrm>
+          <a:off x="0" y="0"/>
+          <a:ext cx="0" cy="0"/>
+          <a:chOff x="0" y="0"/>
+          <a:chExt cx="0" cy="0"/>
+        </a:xfrm>
+      </p:grpSpPr>
+      <p:sp>
+        <p:nvSpPr>
+          <p:cNvPr id="2" name="Title 1">
+            <a:extLst>
+              <a:ext uri="{FF2B5EF4-FFF2-40B4-BE49-F238E27FC236}">
+                <a16:creationId xmlns:a16="http://schemas.microsoft.com/office/drawing/2014/main" id="{170D7B84-5FCC-4478-9EB5-1F545EA016D5}"/>
+              </a:ext>
+            </a:extLst>
+          </p:cNvPr>
+          <p:cNvSpPr>
+            <a:spLocks noGrp="1"/>
+          </p:cNvSpPr>
+          <p:nvPr>
+            <p:ph type="title"/>
+          </p:nvPr>
+        </p:nvSpPr>
+        <p:spPr>
+          <a:xfrm>
+            <a:off x="690716" y="374958"/>
+            <a:ext cx="10515600" cy="1325563"/>
+          </a:xfrm>
+        </p:spPr>
+        <p:txBody>
+          <a:bodyPr/>
+          <a:lstStyle/>
+          <a:p>
+            <a:r>
+              <a:rPr lang="en-US" dirty="0"/>
+              <a:t>Evolution Stream</a:t>
+            </a:r>
+          </a:p>
+        </p:txBody>
+      </p:sp>
+      <p:pic>
+        <p:nvPicPr>
+          <p:cNvPr id="5" name="Content Placeholder 4">
+            <a:extLst>
+              <a:ext uri="{FF2B5EF4-FFF2-40B4-BE49-F238E27FC236}">
+                <a16:creationId xmlns:a16="http://schemas.microsoft.com/office/drawing/2014/main" id="{86EE3DE8-DC96-4CA7-AB0C-E4A552C04602}"/>
+              </a:ext>
+            </a:extLst>
+          </p:cNvPr>
+          <p:cNvPicPr>
+            <a:picLocks noGrp="1" noChangeAspect="1"/>
+          </p:cNvPicPr>
+          <p:nvPr>
+            <p:ph idx="1"/>
+          </p:nvPr>
+        </p:nvPicPr>
+        <p:blipFill rotWithShape="1">
+          <a:blip r:embed="rId2"/>
+          <a:srcRect b="6380"/>
+          <a:stretch/>
+        </p:blipFill>
+        <p:spPr>
+          <a:xfrm>
+            <a:off x="963869" y="1850641"/>
+            <a:ext cx="9046482" cy="2593540"/>
+          </a:xfrm>
+        </p:spPr>
+      </p:pic>
+    </p:spTree>
+    <p:extLst>
+      <p:ext uri="{BB962C8B-B14F-4D97-AF65-F5344CB8AC3E}">
+        <p14:creationId xmlns:p14="http://schemas.microsoft.com/office/powerpoint/2010/main" val="1065631412"/>
+      </p:ext>
+    </p:extLst>
+  </p:cSld>
+  <p:clrMapOvr>
+    <a:masterClrMapping/>
+  </p:clrMapOvr>
+</p:sld>
+</file>
+
+<file path=ppt/slides/slide8.xml><?xml version="1.0" encoding="utf-8"?>
+<p:sld xmlns:a="http://schemas.openxmlformats.org/drawingml/2006/main" xmlns:r="http://schemas.openxmlformats.org/officeDocument/2006/relationships" xmlns:p="http://schemas.openxmlformats.org/presentationml/2006/main">
+  <p:cSld>
+    <p:spTree>
+      <p:nvGrpSpPr>
+        <p:cNvPr id="1" name=""/>
+        <p:cNvGrpSpPr/>
+        <p:nvPr/>
+      </p:nvGrpSpPr>
+      <p:grpSpPr>
+        <a:xfrm>
+          <a:off x="0" y="0"/>
+          <a:ext cx="0" cy="0"/>
+          <a:chOff x="0" y="0"/>
+          <a:chExt cx="0" cy="0"/>
+        </a:xfrm>
+      </p:grpSpPr>
+      <p:sp>
+        <p:nvSpPr>
+          <p:cNvPr id="2" name="Title 1">
+            <a:extLst>
+              <a:ext uri="{FF2B5EF4-FFF2-40B4-BE49-F238E27FC236}">
+                <a16:creationId xmlns:a16="http://schemas.microsoft.com/office/drawing/2014/main" id="{170D7B84-5FCC-4478-9EB5-1F545EA016D5}"/>
+              </a:ext>
+            </a:extLst>
+          </p:cNvPr>
+          <p:cNvSpPr>
+            <a:spLocks noGrp="1"/>
+          </p:cNvSpPr>
+          <p:nvPr>
+            <p:ph type="title"/>
+          </p:nvPr>
+        </p:nvSpPr>
+        <p:spPr>
+          <a:xfrm>
+            <a:off x="690716" y="374958"/>
+            <a:ext cx="10515600" cy="1325563"/>
+          </a:xfrm>
+        </p:spPr>
+        <p:txBody>
+          <a:bodyPr/>
+          <a:lstStyle/>
+          <a:p>
+            <a:r>
+              <a:rPr lang="en-US" dirty="0"/>
+              <a:t>Profile selection to have different combinations</a:t>
+            </a:r>
+          </a:p>
+        </p:txBody>
+      </p:sp>
+      <p:pic>
+        <p:nvPicPr>
+          <p:cNvPr id="5" name="Content Placeholder 4">
+            <a:extLst>
+              <a:ext uri="{FF2B5EF4-FFF2-40B4-BE49-F238E27FC236}">
+                <a16:creationId xmlns:a16="http://schemas.microsoft.com/office/drawing/2014/main" id="{86EE3DE8-DC96-4CA7-AB0C-E4A552C04602}"/>
+              </a:ext>
+            </a:extLst>
+          </p:cNvPr>
+          <p:cNvPicPr>
+            <a:picLocks noGrp="1" noChangeAspect="1"/>
+          </p:cNvPicPr>
+          <p:nvPr>
+            <p:ph idx="1"/>
+          </p:nvPr>
+        </p:nvPicPr>
+        <p:blipFill rotWithShape="1">
+          <a:blip r:embed="rId2"/>
+          <a:srcRect b="6380"/>
+          <a:stretch/>
+        </p:blipFill>
+        <p:spPr>
+          <a:xfrm>
+            <a:off x="963869" y="1850641"/>
+            <a:ext cx="5505450" cy="1578360"/>
+          </a:xfrm>
+        </p:spPr>
+      </p:pic>
+      <p:pic>
+        <p:nvPicPr>
+          <p:cNvPr id="4" name="Content Placeholder 4">
+            <a:extLst>
+              <a:ext uri="{FF2B5EF4-FFF2-40B4-BE49-F238E27FC236}">
+                <a16:creationId xmlns:a16="http://schemas.microsoft.com/office/drawing/2014/main" id="{D4E9BC20-94B3-4CDF-B354-B32C60C0F2EE}"/>
+              </a:ext>
+            </a:extLst>
+          </p:cNvPr>
+          <p:cNvPicPr>
+            <a:picLocks noChangeAspect="1"/>
+          </p:cNvPicPr>
+          <p:nvPr/>
+        </p:nvPicPr>
+        <p:blipFill rotWithShape="1">
+          <a:blip r:embed="rId3"/>
+          <a:srcRect t="1255" r="3" b="5953"/>
+          <a:stretch/>
+        </p:blipFill>
+        <p:spPr>
+          <a:xfrm>
+            <a:off x="1350039" y="1870878"/>
+            <a:ext cx="7400672" cy="4343655"/>
+          </a:xfrm>
+          <a:prstGeom prst="rect">
+            <a:avLst/>
+          </a:prstGeom>
+        </p:spPr>
+      </p:pic>
+    </p:spTree>
+    <p:extLst>
+      <p:ext uri="{BB962C8B-B14F-4D97-AF65-F5344CB8AC3E}">
+        <p14:creationId xmlns:p14="http://schemas.microsoft.com/office/powerpoint/2010/main" val="3002652974"/>
+      </p:ext>
+    </p:extLst>
+  </p:cSld>
+  <p:clrMapOvr>
+    <a:masterClrMapping/>
+  </p:clrMapOvr>
+</p:sld>
+</file>
+
+<file path=ppt/slides/slide9.xml><?xml version="1.0" encoding="utf-8"?>
+<p:sld xmlns:a="http://schemas.openxmlformats.org/drawingml/2006/main" xmlns:r="http://schemas.openxmlformats.org/officeDocument/2006/relationships" xmlns:p="http://schemas.openxmlformats.org/presentationml/2006/main">
+  <p:cSld>
+    <p:spTree>
+      <p:nvGrpSpPr>
+        <p:cNvPr id="1" name=""/>
+        <p:cNvGrpSpPr/>
+        <p:nvPr/>
+      </p:nvGrpSpPr>
+      <p:grpSpPr>
+        <a:xfrm>
+          <a:off x="0" y="0"/>
+          <a:ext cx="0" cy="0"/>
+          <a:chOff x="0" y="0"/>
+          <a:chExt cx="0" cy="0"/>
+        </a:xfrm>
+      </p:grpSpPr>
+      <p:sp>
+        <p:nvSpPr>
+          <p:cNvPr id="2" name="Title 1">
+            <a:extLst>
+              <a:ext uri="{FF2B5EF4-FFF2-40B4-BE49-F238E27FC236}">
+                <a16:creationId xmlns:a16="http://schemas.microsoft.com/office/drawing/2014/main" id="{4563A2A3-AE07-4C26-86CA-FFF7C4DA665B}"/>
+              </a:ext>
+            </a:extLst>
+          </p:cNvPr>
+          <p:cNvSpPr>
+            <a:spLocks noGrp="1"/>
+          </p:cNvSpPr>
+          <p:nvPr>
+            <p:ph type="title"/>
+          </p:nvPr>
+        </p:nvSpPr>
+        <p:spPr/>
+        <p:txBody>
+          <a:bodyPr/>
+          <a:lstStyle/>
+          <a:p>
+            <a:r>
+              <a:rPr lang="en-US" dirty="0"/>
+              <a:t>Program shell</a:t>
+            </a:r>
+          </a:p>
+        </p:txBody>
+      </p:sp>
+      <p:pic>
+        <p:nvPicPr>
+          <p:cNvPr id="9" name="Picture 8">
+            <a:extLst>
+              <a:ext uri="{FF2B5EF4-FFF2-40B4-BE49-F238E27FC236}">
+                <a16:creationId xmlns:a16="http://schemas.microsoft.com/office/drawing/2014/main" id="{CB5F9F8B-4A1A-4908-990F-CDCA8DFD4EF1}"/>
+              </a:ext>
+            </a:extLst>
+          </p:cNvPr>
+          <p:cNvPicPr>
+            <a:picLocks noChangeAspect="1"/>
+          </p:cNvPicPr>
+          <p:nvPr/>
+        </p:nvPicPr>
+        <p:blipFill>
+          <a:blip r:embed="rId2"/>
+          <a:stretch>
+            <a:fillRect/>
+          </a:stretch>
+        </p:blipFill>
+        <p:spPr>
+          <a:xfrm>
+            <a:off x="897399" y="1907458"/>
+            <a:ext cx="6955964" cy="2035892"/>
+          </a:xfrm>
+          <a:prstGeom prst="rect">
+            <a:avLst/>
+          </a:prstGeom>
+        </p:spPr>
+      </p:pic>
+    </p:spTree>
+    <p:extLst>
+      <p:ext uri="{BB962C8B-B14F-4D97-AF65-F5344CB8AC3E}">
+        <p14:creationId xmlns:p14="http://schemas.microsoft.com/office/powerpoint/2010/main" val="2162333635"/>
       </p:ext>
     </p:extLst>
   </p:cSld>
